--- a/web动画.pptx
+++ b/web动画.pptx
@@ -12,9 +12,13 @@
     <p:sldId id="260" r:id="rId6"/>
     <p:sldId id="261" r:id="rId7"/>
     <p:sldId id="264" r:id="rId8"/>
-    <p:sldId id="263" r:id="rId9"/>
-    <p:sldId id="265" r:id="rId10"/>
-    <p:sldId id="262" r:id="rId11"/>
+    <p:sldId id="266" r:id="rId9"/>
+    <p:sldId id="267" r:id="rId10"/>
+    <p:sldId id="268" r:id="rId11"/>
+    <p:sldId id="263" r:id="rId12"/>
+    <p:sldId id="265" r:id="rId13"/>
+    <p:sldId id="269" r:id="rId14"/>
+    <p:sldId id="262" r:id="rId15"/>
   </p:sldIdLst>
   <p:sldSz cx="12192000" cy="6858000"/>
   <p:notesSz cx="6858000" cy="9144000"/>
@@ -2079,6 +2083,1809 @@
           <a:chExt cx="0" cy="0"/>
         </a:xfrm>
       </p:grpSpPr>
+      <p:sp>
+        <p:nvSpPr>
+          <p:cNvPr id="66" name="textbox 66"/>
+          <p:cNvSpPr/>
+          <p:nvPr/>
+        </p:nvSpPr>
+        <p:spPr>
+          <a:xfrm>
+            <a:off x="1353236" y="376916"/>
+            <a:ext cx="5665631" cy="558165"/>
+          </a:xfrm>
+          <a:prstGeom prst="rect">
+            <a:avLst/>
+          </a:prstGeom>
+        </p:spPr>
+        <p:txBody>
+          <a:bodyPr vert="horz" wrap="square" lIns="0" tIns="0" rIns="0" bIns="0"/>
+          <a:lstStyle/>
+          <a:p>
+            <a:pPr algn="l" rtl="0" eaLnBrk="0">
+              <a:lnSpc>
+                <a:spcPct val="85395"/>
+              </a:lnSpc>
+              <a:tabLst/>
+            </a:pPr>
+            <a:endParaRPr lang="Arial" altLang="Arial" sz="100" dirty="0"/>
+          </a:p>
+          <a:p>
+            <a:pPr marL="12700" algn="l" rtl="0" eaLnBrk="0">
+              <a:lnSpc>
+                <a:spcPct val="97000"/>
+              </a:lnSpc>
+              <a:tabLst/>
+            </a:pPr>
+            <a:r>
+              <a:rPr lang="en-US" altLang="zh-CN" sz="3600" b="1" kern="0" spc="-30" dirty="0">
+                <a:solidFill>
+                  <a:srgbClr val="404040">
+                    <a:alpha val="100000"/>
+                  </a:srgbClr>
+                </a:solidFill>
+                <a:latin typeface="Microsoft YaHei"/>
+                <a:ea typeface="Microsoft YaHei"/>
+                <a:cs typeface="Microsoft YaHei"/>
+              </a:rPr>
+              <a:t>Animation</a:t>
+            </a:r>
+            <a:r>
+              <a:rPr lang="zh-CN" altLang="en-US" sz="3600" b="1" kern="0" spc="-30" dirty="0">
+                <a:solidFill>
+                  <a:srgbClr val="404040">
+                    <a:alpha val="100000"/>
+                  </a:srgbClr>
+                </a:solidFill>
+                <a:latin typeface="Microsoft YaHei"/>
+                <a:ea typeface="Microsoft YaHei"/>
+                <a:cs typeface="Microsoft YaHei"/>
+              </a:rPr>
+              <a:t> </a:t>
+            </a:r>
+            <a:r>
+              <a:rPr lang="en-US" altLang="zh-CN" sz="3600" b="1" kern="0" spc="-30" dirty="0">
+                <a:solidFill>
+                  <a:srgbClr val="404040">
+                    <a:alpha val="100000"/>
+                  </a:srgbClr>
+                </a:solidFill>
+                <a:latin typeface="Microsoft YaHei"/>
+                <a:ea typeface="Microsoft YaHei"/>
+                <a:cs typeface="Microsoft YaHei"/>
+              </a:rPr>
+              <a:t>VS Transition</a:t>
+            </a:r>
+            <a:endParaRPr lang="Microsoft YaHei" altLang="Microsoft YaHei" sz="3600" dirty="0"/>
+          </a:p>
+        </p:txBody>
+      </p:sp>
+      <p:grpSp>
+        <p:nvGrpSpPr>
+          <p:cNvPr id="6" name="group 6"/>
+          <p:cNvGrpSpPr/>
+          <p:nvPr/>
+        </p:nvGrpSpPr>
+        <p:grpSpPr>
+          <a:xfrm rot="21600000">
+            <a:off x="209222" y="234950"/>
+            <a:ext cx="814177" cy="814196"/>
+            <a:chOff x="0" y="0"/>
+            <a:chExt cx="814177" cy="814196"/>
+          </a:xfrm>
+        </p:grpSpPr>
+        <p:pic>
+          <p:nvPicPr>
+            <p:cNvPr id="68" name="picture 68"/>
+            <p:cNvPicPr>
+              <a:picLocks noChangeAspect="1"/>
+            </p:cNvPicPr>
+            <p:nvPr/>
+          </p:nvPicPr>
+          <p:blipFill>
+            <a:blip r:embed="rId2"/>
+            <a:stretch>
+              <a:fillRect/>
+            </a:stretch>
+          </p:blipFill>
+          <p:spPr>
+            <a:xfrm rot="21600000">
+              <a:off x="0" y="0"/>
+              <a:ext cx="814177" cy="814196"/>
+            </a:xfrm>
+            <a:prstGeom prst="rect">
+              <a:avLst/>
+            </a:prstGeom>
+          </p:spPr>
+        </p:pic>
+        <p:sp>
+          <p:nvSpPr>
+            <p:cNvPr id="70" name="textbox 70"/>
+            <p:cNvSpPr/>
+            <p:nvPr/>
+          </p:nvSpPr>
+          <p:spPr>
+            <a:xfrm>
+              <a:off x="-12700" y="-12700"/>
+              <a:ext cx="840105" cy="843914"/>
+            </a:xfrm>
+            <a:prstGeom prst="rect">
+              <a:avLst/>
+            </a:prstGeom>
+          </p:spPr>
+          <p:txBody>
+            <a:bodyPr vert="horz" wrap="square" lIns="0" tIns="0" rIns="0" bIns="0"/>
+            <a:lstStyle/>
+            <a:p>
+              <a:pPr algn="l" rtl="0" eaLnBrk="0">
+                <a:lnSpc>
+                  <a:spcPct val="114000"/>
+                </a:lnSpc>
+                <a:tabLst/>
+              </a:pPr>
+              <a:endParaRPr lang="Arial" altLang="Arial" sz="1000" dirty="0"/>
+            </a:p>
+            <a:p>
+              <a:pPr algn="l" rtl="0" eaLnBrk="0">
+                <a:lnSpc>
+                  <a:spcPct val="114000"/>
+                </a:lnSpc>
+                <a:tabLst/>
+              </a:pPr>
+              <a:endParaRPr lang="Arial" altLang="Arial" sz="1000" dirty="0"/>
+            </a:p>
+            <a:p>
+              <a:pPr algn="l" rtl="0" eaLnBrk="0">
+                <a:lnSpc>
+                  <a:spcPct val="7067"/>
+                </a:lnSpc>
+                <a:tabLst/>
+              </a:pPr>
+              <a:endParaRPr lang="Arial" altLang="Arial" sz="100" dirty="0"/>
+            </a:p>
+            <a:p>
+              <a:pPr marL="106679" algn="l" rtl="0" eaLnBrk="0">
+                <a:lnSpc>
+                  <a:spcPct val="81000"/>
+                </a:lnSpc>
+                <a:tabLst/>
+              </a:pPr>
+              <a:r>
+                <a:rPr sz="1100" b="1" kern="0" spc="-10" dirty="0">
+                  <a:solidFill>
+                    <a:srgbClr val="FFFFFF">
+                      <a:alpha val="100000"/>
+                    </a:srgbClr>
+                  </a:solidFill>
+                  <a:latin typeface="Arial"/>
+                  <a:ea typeface="Arial"/>
+                  <a:cs typeface="Arial"/>
+                </a:rPr>
+                <a:t>coderwhy</a:t>
+              </a:r>
+              <a:endParaRPr lang="Arial" altLang="Arial" sz="1100" dirty="0"/>
+            </a:p>
+          </p:txBody>
+        </p:sp>
+      </p:grpSp>
+      <p:sp>
+        <p:nvSpPr>
+          <p:cNvPr id="72" name="rect"/>
+          <p:cNvSpPr/>
+          <p:nvPr/>
+        </p:nvSpPr>
+        <p:spPr>
+          <a:xfrm>
+            <a:off x="1047750" y="1010602"/>
+            <a:ext cx="11144250" cy="28575"/>
+          </a:xfrm>
+          <a:prstGeom prst="rect">
+            <a:avLst/>
+          </a:prstGeom>
+          <a:solidFill>
+            <a:srgbClr val="F0A22E">
+              <a:alpha val="100000"/>
+            </a:srgbClr>
+          </a:solidFill>
+          <a:ln cap="flat">
+            <a:noFill/>
+            <a:prstDash val="solid"/>
+            <a:miter lim="0"/>
+          </a:ln>
+        </p:spPr>
+        <p:txBody>
+          <a:bodyPr rtlCol="0"/>
+          <a:lstStyle/>
+          <a:p>
+            <a:pPr algn="ctr"/>
+            <a:endParaRPr lang="zh-CN" altLang="en-US"/>
+          </a:p>
+        </p:txBody>
+      </p:sp>
+      <p:pic>
+        <p:nvPicPr>
+          <p:cNvPr id="74" name="picture 74"/>
+          <p:cNvPicPr>
+            <a:picLocks noChangeAspect="1"/>
+          </p:cNvPicPr>
+          <p:nvPr/>
+        </p:nvPicPr>
+        <p:blipFill>
+          <a:blip r:embed="rId3"/>
+          <a:stretch>
+            <a:fillRect/>
+          </a:stretch>
+        </p:blipFill>
+        <p:spPr>
+          <a:xfrm rot="21600000">
+            <a:off x="10150475" y="750951"/>
+            <a:ext cx="1508125" cy="276605"/>
+          </a:xfrm>
+          <a:prstGeom prst="rect">
+            <a:avLst/>
+          </a:prstGeom>
+        </p:spPr>
+      </p:pic>
+      <p:grpSp>
+        <p:nvGrpSpPr>
+          <p:cNvPr id="2" name="group 2">
+            <a:extLst>
+              <a:ext uri="{FF2B5EF4-FFF2-40B4-BE49-F238E27FC236}">
+                <a16:creationId xmlns:a16="http://schemas.microsoft.com/office/drawing/2014/main" id="{39F216D8-B7CD-D28E-988D-F30CF019E646}"/>
+              </a:ext>
+            </a:extLst>
+          </p:cNvPr>
+          <p:cNvGrpSpPr/>
+          <p:nvPr/>
+        </p:nvGrpSpPr>
+        <p:grpSpPr>
+          <a:xfrm rot="21600000">
+            <a:off x="196522" y="217063"/>
+            <a:ext cx="899558" cy="832083"/>
+            <a:chOff x="-72153" y="141965"/>
+            <a:chExt cx="899558" cy="832083"/>
+          </a:xfrm>
+        </p:grpSpPr>
+        <p:pic>
+          <p:nvPicPr>
+            <p:cNvPr id="4" name="picture 36">
+              <a:extLst>
+                <a:ext uri="{FF2B5EF4-FFF2-40B4-BE49-F238E27FC236}">
+                  <a16:creationId xmlns:a16="http://schemas.microsoft.com/office/drawing/2014/main" id="{4D09AA54-E023-C96A-49BE-5D76F28A37D4}"/>
+                </a:ext>
+              </a:extLst>
+            </p:cNvPr>
+            <p:cNvPicPr>
+              <a:picLocks noChangeAspect="1"/>
+            </p:cNvPicPr>
+            <p:nvPr/>
+          </p:nvPicPr>
+          <p:blipFill>
+            <a:blip r:embed="rId2"/>
+            <a:stretch>
+              <a:fillRect/>
+            </a:stretch>
+          </p:blipFill>
+          <p:spPr>
+            <a:xfrm>
+              <a:off x="-72153" y="159852"/>
+              <a:ext cx="814177" cy="814196"/>
+            </a:xfrm>
+            <a:prstGeom prst="rect">
+              <a:avLst/>
+            </a:prstGeom>
+          </p:spPr>
+        </p:pic>
+        <p:sp>
+          <p:nvSpPr>
+            <p:cNvPr id="7" name="textbox 38">
+              <a:extLst>
+                <a:ext uri="{FF2B5EF4-FFF2-40B4-BE49-F238E27FC236}">
+                  <a16:creationId xmlns:a16="http://schemas.microsoft.com/office/drawing/2014/main" id="{477436E3-1756-1880-7723-691F37724677}"/>
+                </a:ext>
+              </a:extLst>
+            </p:cNvPr>
+            <p:cNvSpPr/>
+            <p:nvPr/>
+          </p:nvSpPr>
+          <p:spPr>
+            <a:xfrm>
+              <a:off x="-12700" y="141965"/>
+              <a:ext cx="840105" cy="715741"/>
+            </a:xfrm>
+            <a:prstGeom prst="rect">
+              <a:avLst/>
+            </a:prstGeom>
+          </p:spPr>
+          <p:txBody>
+            <a:bodyPr vert="eaVert" wrap="square" lIns="0" tIns="0" rIns="0" bIns="0" anchor="t"/>
+            <a:lstStyle/>
+            <a:p>
+              <a:pPr algn="l" rtl="0" eaLnBrk="0">
+                <a:lnSpc>
+                  <a:spcPct val="114000"/>
+                </a:lnSpc>
+                <a:tabLst/>
+              </a:pPr>
+              <a:endParaRPr lang="Arial" altLang="Arial" sz="1000" dirty="0"/>
+            </a:p>
+            <a:p>
+              <a:pPr marL="106679" algn="ctr" rtl="0" eaLnBrk="0">
+                <a:lnSpc>
+                  <a:spcPct val="81000"/>
+                </a:lnSpc>
+                <a:tabLst/>
+              </a:pPr>
+              <a:endParaRPr lang="en-US" altLang="zh-CN" sz="1000" dirty="0"/>
+            </a:p>
+            <a:p>
+              <a:pPr marL="106679" algn="ctr" rtl="0" eaLnBrk="0">
+                <a:lnSpc>
+                  <a:spcPct val="81000"/>
+                </a:lnSpc>
+                <a:tabLst/>
+              </a:pPr>
+              <a:endParaRPr lang="en-US" altLang="zh-CN" sz="1000" b="1" kern="0" spc="-10" dirty="0">
+                <a:solidFill>
+                  <a:srgbClr val="FFFFFF">
+                    <a:alpha val="100000"/>
+                  </a:srgbClr>
+                </a:solidFill>
+                <a:latin typeface="Arial"/>
+                <a:ea typeface="Arial"/>
+                <a:cs typeface="Arial"/>
+              </a:endParaRPr>
+            </a:p>
+            <a:p>
+              <a:pPr marL="106679" algn="ctr" rtl="0" eaLnBrk="0">
+                <a:tabLst/>
+              </a:pPr>
+              <a:r>
+                <a:rPr lang="zh-CN" altLang="en-US" sz="1100" b="1" kern="0" spc="-10" dirty="0">
+                  <a:solidFill>
+                    <a:srgbClr val="FFFFFF">
+                      <a:alpha val="100000"/>
+                    </a:srgbClr>
+                  </a:solidFill>
+                  <a:latin typeface="Arial"/>
+                  <a:ea typeface="Arial"/>
+                  <a:cs typeface="Arial"/>
+                </a:rPr>
+                <a:t>小前端</a:t>
+              </a:r>
+              <a:endParaRPr lang="Arial" altLang="Arial" sz="1100" dirty="0"/>
+            </a:p>
+          </p:txBody>
+        </p:sp>
+      </p:grpSp>
+    </p:spTree>
+    <p:extLst>
+      <p:ext uri="{BB962C8B-B14F-4D97-AF65-F5344CB8AC3E}">
+        <p14:creationId xmlns:p14="http://schemas.microsoft.com/office/powerpoint/2010/main" val="1628269380"/>
+      </p:ext>
+    </p:extLst>
+  </p:cSld>
+  <p:clrMapOvr>
+    <a:masterClrMapping/>
+  </p:clrMapOvr>
+</p:sld>
+</file>
+
+<file path=ppt/slides/slide11.xml><?xml version="1.0" encoding="utf-8"?>
+<p:sld xmlns:a="http://schemas.openxmlformats.org/drawingml/2006/main" xmlns:r="http://schemas.openxmlformats.org/officeDocument/2006/relationships" xmlns:p="http://schemas.openxmlformats.org/presentationml/2006/main">
+  <p:cSld>
+    <p:spTree>
+      <p:nvGrpSpPr>
+        <p:cNvPr id="1" name=""/>
+        <p:cNvGrpSpPr/>
+        <p:nvPr/>
+      </p:nvGrpSpPr>
+      <p:grpSpPr>
+        <a:xfrm>
+          <a:off x="0" y="0"/>
+          <a:ext cx="0" cy="0"/>
+          <a:chOff x="0" y="0"/>
+          <a:chExt cx="0" cy="0"/>
+        </a:xfrm>
+      </p:grpSpPr>
+      <p:sp>
+        <p:nvSpPr>
+          <p:cNvPr id="66" name="textbox 66"/>
+          <p:cNvSpPr/>
+          <p:nvPr/>
+        </p:nvSpPr>
+        <p:spPr>
+          <a:xfrm>
+            <a:off x="1353236" y="376916"/>
+            <a:ext cx="8146364" cy="558165"/>
+          </a:xfrm>
+          <a:prstGeom prst="rect">
+            <a:avLst/>
+          </a:prstGeom>
+        </p:spPr>
+        <p:txBody>
+          <a:bodyPr vert="horz" wrap="square" lIns="0" tIns="0" rIns="0" bIns="0"/>
+          <a:lstStyle/>
+          <a:p>
+            <a:pPr algn="l" rtl="0" eaLnBrk="0">
+              <a:lnSpc>
+                <a:spcPct val="85395"/>
+              </a:lnSpc>
+              <a:tabLst/>
+            </a:pPr>
+            <a:endParaRPr lang="Arial" altLang="Arial" sz="100" dirty="0"/>
+          </a:p>
+          <a:p>
+            <a:pPr marL="12700" algn="l" rtl="0" eaLnBrk="0">
+              <a:lnSpc>
+                <a:spcPct val="97000"/>
+              </a:lnSpc>
+              <a:tabLst/>
+            </a:pPr>
+            <a:r>
+              <a:rPr lang="zh-CN" altLang="en-US" sz="3600" b="1" kern="0" spc="-30" dirty="0">
+                <a:solidFill>
+                  <a:srgbClr val="404040">
+                    <a:alpha val="100000"/>
+                  </a:srgbClr>
+                </a:solidFill>
+                <a:latin typeface="Microsoft YaHei"/>
+                <a:ea typeface="Microsoft YaHei"/>
+              </a:rPr>
+              <a:t>劳模”渲染主线程</a:t>
+            </a:r>
+            <a:endParaRPr lang="Microsoft YaHei" altLang="Microsoft YaHei" sz="3600" dirty="0"/>
+          </a:p>
+        </p:txBody>
+      </p:sp>
+      <p:grpSp>
+        <p:nvGrpSpPr>
+          <p:cNvPr id="6" name="group 6"/>
+          <p:cNvGrpSpPr/>
+          <p:nvPr/>
+        </p:nvGrpSpPr>
+        <p:grpSpPr>
+          <a:xfrm rot="21600000">
+            <a:off x="209222" y="234950"/>
+            <a:ext cx="814177" cy="814196"/>
+            <a:chOff x="0" y="0"/>
+            <a:chExt cx="814177" cy="814196"/>
+          </a:xfrm>
+        </p:grpSpPr>
+        <p:pic>
+          <p:nvPicPr>
+            <p:cNvPr id="68" name="picture 68"/>
+            <p:cNvPicPr>
+              <a:picLocks noChangeAspect="1"/>
+            </p:cNvPicPr>
+            <p:nvPr/>
+          </p:nvPicPr>
+          <p:blipFill>
+            <a:blip r:embed="rId2"/>
+            <a:stretch>
+              <a:fillRect/>
+            </a:stretch>
+          </p:blipFill>
+          <p:spPr>
+            <a:xfrm rot="21600000">
+              <a:off x="0" y="0"/>
+              <a:ext cx="814177" cy="814196"/>
+            </a:xfrm>
+            <a:prstGeom prst="rect">
+              <a:avLst/>
+            </a:prstGeom>
+          </p:spPr>
+        </p:pic>
+        <p:sp>
+          <p:nvSpPr>
+            <p:cNvPr id="70" name="textbox 70"/>
+            <p:cNvSpPr/>
+            <p:nvPr/>
+          </p:nvSpPr>
+          <p:spPr>
+            <a:xfrm>
+              <a:off x="-12700" y="-12700"/>
+              <a:ext cx="840105" cy="843914"/>
+            </a:xfrm>
+            <a:prstGeom prst="rect">
+              <a:avLst/>
+            </a:prstGeom>
+          </p:spPr>
+          <p:txBody>
+            <a:bodyPr vert="horz" wrap="square" lIns="0" tIns="0" rIns="0" bIns="0"/>
+            <a:lstStyle/>
+            <a:p>
+              <a:pPr algn="l" rtl="0" eaLnBrk="0">
+                <a:lnSpc>
+                  <a:spcPct val="114000"/>
+                </a:lnSpc>
+                <a:tabLst/>
+              </a:pPr>
+              <a:endParaRPr lang="Arial" altLang="Arial" sz="1000" dirty="0"/>
+            </a:p>
+            <a:p>
+              <a:pPr algn="l" rtl="0" eaLnBrk="0">
+                <a:lnSpc>
+                  <a:spcPct val="114000"/>
+                </a:lnSpc>
+                <a:tabLst/>
+              </a:pPr>
+              <a:endParaRPr lang="Arial" altLang="Arial" sz="1000" dirty="0"/>
+            </a:p>
+            <a:p>
+              <a:pPr algn="l" rtl="0" eaLnBrk="0">
+                <a:lnSpc>
+                  <a:spcPct val="7067"/>
+                </a:lnSpc>
+                <a:tabLst/>
+              </a:pPr>
+              <a:endParaRPr lang="Arial" altLang="Arial" sz="100" dirty="0"/>
+            </a:p>
+            <a:p>
+              <a:pPr marL="106679" algn="l" rtl="0" eaLnBrk="0">
+                <a:lnSpc>
+                  <a:spcPct val="81000"/>
+                </a:lnSpc>
+                <a:tabLst/>
+              </a:pPr>
+              <a:r>
+                <a:rPr sz="1100" b="1" kern="0" spc="-10" dirty="0">
+                  <a:solidFill>
+                    <a:srgbClr val="FFFFFF">
+                      <a:alpha val="100000"/>
+                    </a:srgbClr>
+                  </a:solidFill>
+                  <a:latin typeface="Arial"/>
+                  <a:ea typeface="Arial"/>
+                  <a:cs typeface="Arial"/>
+                </a:rPr>
+                <a:t>coderwhy</a:t>
+              </a:r>
+              <a:endParaRPr lang="Arial" altLang="Arial" sz="1100" dirty="0"/>
+            </a:p>
+          </p:txBody>
+        </p:sp>
+      </p:grpSp>
+      <p:sp>
+        <p:nvSpPr>
+          <p:cNvPr id="72" name="rect"/>
+          <p:cNvSpPr/>
+          <p:nvPr/>
+        </p:nvSpPr>
+        <p:spPr>
+          <a:xfrm>
+            <a:off x="1047750" y="1010602"/>
+            <a:ext cx="11144250" cy="28575"/>
+          </a:xfrm>
+          <a:prstGeom prst="rect">
+            <a:avLst/>
+          </a:prstGeom>
+          <a:solidFill>
+            <a:srgbClr val="F0A22E">
+              <a:alpha val="100000"/>
+            </a:srgbClr>
+          </a:solidFill>
+          <a:ln cap="flat">
+            <a:noFill/>
+            <a:prstDash val="solid"/>
+            <a:miter lim="0"/>
+          </a:ln>
+        </p:spPr>
+        <p:txBody>
+          <a:bodyPr rtlCol="0"/>
+          <a:lstStyle/>
+          <a:p>
+            <a:pPr algn="ctr"/>
+            <a:endParaRPr lang="zh-CN" altLang="en-US"/>
+          </a:p>
+        </p:txBody>
+      </p:sp>
+      <p:pic>
+        <p:nvPicPr>
+          <p:cNvPr id="74" name="picture 74"/>
+          <p:cNvPicPr>
+            <a:picLocks noChangeAspect="1"/>
+          </p:cNvPicPr>
+          <p:nvPr/>
+        </p:nvPicPr>
+        <p:blipFill>
+          <a:blip r:embed="rId3"/>
+          <a:stretch>
+            <a:fillRect/>
+          </a:stretch>
+        </p:blipFill>
+        <p:spPr>
+          <a:xfrm rot="21600000">
+            <a:off x="10150475" y="750951"/>
+            <a:ext cx="1508125" cy="276605"/>
+          </a:xfrm>
+          <a:prstGeom prst="rect">
+            <a:avLst/>
+          </a:prstGeom>
+        </p:spPr>
+      </p:pic>
+      <p:grpSp>
+        <p:nvGrpSpPr>
+          <p:cNvPr id="2" name="group 2">
+            <a:extLst>
+              <a:ext uri="{FF2B5EF4-FFF2-40B4-BE49-F238E27FC236}">
+                <a16:creationId xmlns:a16="http://schemas.microsoft.com/office/drawing/2014/main" id="{39F216D8-B7CD-D28E-988D-F30CF019E646}"/>
+              </a:ext>
+            </a:extLst>
+          </p:cNvPr>
+          <p:cNvGrpSpPr/>
+          <p:nvPr/>
+        </p:nvGrpSpPr>
+        <p:grpSpPr>
+          <a:xfrm rot="21600000">
+            <a:off x="196522" y="217063"/>
+            <a:ext cx="899558" cy="832083"/>
+            <a:chOff x="-72153" y="141965"/>
+            <a:chExt cx="899558" cy="832083"/>
+          </a:xfrm>
+        </p:grpSpPr>
+        <p:pic>
+          <p:nvPicPr>
+            <p:cNvPr id="4" name="picture 36">
+              <a:extLst>
+                <a:ext uri="{FF2B5EF4-FFF2-40B4-BE49-F238E27FC236}">
+                  <a16:creationId xmlns:a16="http://schemas.microsoft.com/office/drawing/2014/main" id="{4D09AA54-E023-C96A-49BE-5D76F28A37D4}"/>
+                </a:ext>
+              </a:extLst>
+            </p:cNvPr>
+            <p:cNvPicPr>
+              <a:picLocks noChangeAspect="1"/>
+            </p:cNvPicPr>
+            <p:nvPr/>
+          </p:nvPicPr>
+          <p:blipFill>
+            <a:blip r:embed="rId2"/>
+            <a:stretch>
+              <a:fillRect/>
+            </a:stretch>
+          </p:blipFill>
+          <p:spPr>
+            <a:xfrm>
+              <a:off x="-72153" y="159852"/>
+              <a:ext cx="814177" cy="814196"/>
+            </a:xfrm>
+            <a:prstGeom prst="rect">
+              <a:avLst/>
+            </a:prstGeom>
+          </p:spPr>
+        </p:pic>
+        <p:sp>
+          <p:nvSpPr>
+            <p:cNvPr id="7" name="textbox 38">
+              <a:extLst>
+                <a:ext uri="{FF2B5EF4-FFF2-40B4-BE49-F238E27FC236}">
+                  <a16:creationId xmlns:a16="http://schemas.microsoft.com/office/drawing/2014/main" id="{477436E3-1756-1880-7723-691F37724677}"/>
+                </a:ext>
+              </a:extLst>
+            </p:cNvPr>
+            <p:cNvSpPr/>
+            <p:nvPr/>
+          </p:nvSpPr>
+          <p:spPr>
+            <a:xfrm>
+              <a:off x="-12700" y="141965"/>
+              <a:ext cx="840105" cy="715741"/>
+            </a:xfrm>
+            <a:prstGeom prst="rect">
+              <a:avLst/>
+            </a:prstGeom>
+          </p:spPr>
+          <p:txBody>
+            <a:bodyPr vert="eaVert" wrap="square" lIns="0" tIns="0" rIns="0" bIns="0" anchor="t"/>
+            <a:lstStyle/>
+            <a:p>
+              <a:pPr algn="l" rtl="0" eaLnBrk="0">
+                <a:lnSpc>
+                  <a:spcPct val="114000"/>
+                </a:lnSpc>
+                <a:tabLst/>
+              </a:pPr>
+              <a:endParaRPr lang="Arial" altLang="Arial" sz="1000" dirty="0"/>
+            </a:p>
+            <a:p>
+              <a:pPr marL="106679" algn="ctr" rtl="0" eaLnBrk="0">
+                <a:lnSpc>
+                  <a:spcPct val="81000"/>
+                </a:lnSpc>
+                <a:tabLst/>
+              </a:pPr>
+              <a:endParaRPr lang="en-US" altLang="zh-CN" sz="1000" dirty="0"/>
+            </a:p>
+            <a:p>
+              <a:pPr marL="106679" algn="ctr" rtl="0" eaLnBrk="0">
+                <a:lnSpc>
+                  <a:spcPct val="81000"/>
+                </a:lnSpc>
+                <a:tabLst/>
+              </a:pPr>
+              <a:endParaRPr lang="en-US" altLang="zh-CN" sz="1000" b="1" kern="0" spc="-10" dirty="0">
+                <a:solidFill>
+                  <a:srgbClr val="FFFFFF">
+                    <a:alpha val="100000"/>
+                  </a:srgbClr>
+                </a:solidFill>
+                <a:latin typeface="Arial"/>
+                <a:ea typeface="Arial"/>
+                <a:cs typeface="Arial"/>
+              </a:endParaRPr>
+            </a:p>
+            <a:p>
+              <a:pPr marL="106679" algn="ctr" rtl="0" eaLnBrk="0">
+                <a:tabLst/>
+              </a:pPr>
+              <a:r>
+                <a:rPr lang="zh-CN" altLang="en-US" sz="1100" b="1" kern="0" spc="-10" dirty="0">
+                  <a:solidFill>
+                    <a:srgbClr val="FFFFFF">
+                      <a:alpha val="100000"/>
+                    </a:srgbClr>
+                  </a:solidFill>
+                  <a:latin typeface="Arial"/>
+                  <a:ea typeface="Arial"/>
+                  <a:cs typeface="Arial"/>
+                </a:rPr>
+                <a:t>小前端</a:t>
+              </a:r>
+              <a:endParaRPr lang="Arial" altLang="Arial" sz="1100" dirty="0"/>
+            </a:p>
+          </p:txBody>
+        </p:sp>
+      </p:grpSp>
+      <p:pic>
+        <p:nvPicPr>
+          <p:cNvPr id="5" name="图片 4">
+            <a:extLst>
+              <a:ext uri="{FF2B5EF4-FFF2-40B4-BE49-F238E27FC236}">
+                <a16:creationId xmlns:a16="http://schemas.microsoft.com/office/drawing/2014/main" id="{A19A6775-84E5-A62A-FB1B-F6104A41440D}"/>
+              </a:ext>
+            </a:extLst>
+          </p:cNvPr>
+          <p:cNvPicPr>
+            <a:picLocks noChangeAspect="1"/>
+          </p:cNvPicPr>
+          <p:nvPr/>
+        </p:nvPicPr>
+        <p:blipFill>
+          <a:blip r:embed="rId4"/>
+          <a:stretch>
+            <a:fillRect/>
+          </a:stretch>
+        </p:blipFill>
+        <p:spPr>
+          <a:xfrm>
+            <a:off x="1010699" y="1531494"/>
+            <a:ext cx="10544175" cy="5286375"/>
+          </a:xfrm>
+          <a:prstGeom prst="rect">
+            <a:avLst/>
+          </a:prstGeom>
+        </p:spPr>
+      </p:pic>
+      <p:sp>
+        <p:nvSpPr>
+          <p:cNvPr id="8" name="文本框 7">
+            <a:extLst>
+              <a:ext uri="{FF2B5EF4-FFF2-40B4-BE49-F238E27FC236}">
+                <a16:creationId xmlns:a16="http://schemas.microsoft.com/office/drawing/2014/main" id="{17E4771C-0D79-160E-5AC0-40890B346873}"/>
+              </a:ext>
+            </a:extLst>
+          </p:cNvPr>
+          <p:cNvSpPr txBox="1"/>
+          <p:nvPr/>
+        </p:nvSpPr>
+        <p:spPr>
+          <a:xfrm>
+            <a:off x="1036627" y="1114163"/>
+            <a:ext cx="6083717" cy="369332"/>
+          </a:xfrm>
+          <a:prstGeom prst="rect">
+            <a:avLst/>
+          </a:prstGeom>
+          <a:noFill/>
+        </p:spPr>
+        <p:txBody>
+          <a:bodyPr wrap="none" rtlCol="0">
+            <a:spAutoFit/>
+          </a:bodyPr>
+          <a:lstStyle/>
+          <a:p>
+            <a:r>
+              <a:rPr lang="zh-CN" altLang="en-US" dirty="0"/>
+              <a:t>进程：为程序运行开辟的专属空间    线程：执行代码的“人”</a:t>
+            </a:r>
+          </a:p>
+        </p:txBody>
+      </p:sp>
+    </p:spTree>
+    <p:extLst>
+      <p:ext uri="{BB962C8B-B14F-4D97-AF65-F5344CB8AC3E}">
+        <p14:creationId xmlns:p14="http://schemas.microsoft.com/office/powerpoint/2010/main" val="59891158"/>
+      </p:ext>
+    </p:extLst>
+  </p:cSld>
+  <p:clrMapOvr>
+    <a:masterClrMapping/>
+  </p:clrMapOvr>
+</p:sld>
+</file>
+
+<file path=ppt/slides/slide12.xml><?xml version="1.0" encoding="utf-8"?>
+<p:sld xmlns:a="http://schemas.openxmlformats.org/drawingml/2006/main" xmlns:r="http://schemas.openxmlformats.org/officeDocument/2006/relationships" xmlns:p="http://schemas.openxmlformats.org/presentationml/2006/main">
+  <p:cSld>
+    <p:spTree>
+      <p:nvGrpSpPr>
+        <p:cNvPr id="1" name=""/>
+        <p:cNvGrpSpPr/>
+        <p:nvPr/>
+      </p:nvGrpSpPr>
+      <p:grpSpPr>
+        <a:xfrm>
+          <a:off x="0" y="0"/>
+          <a:ext cx="0" cy="0"/>
+          <a:chOff x="0" y="0"/>
+          <a:chExt cx="0" cy="0"/>
+        </a:xfrm>
+      </p:grpSpPr>
+      <p:sp>
+        <p:nvSpPr>
+          <p:cNvPr id="66" name="textbox 66"/>
+          <p:cNvSpPr/>
+          <p:nvPr/>
+        </p:nvSpPr>
+        <p:spPr>
+          <a:xfrm>
+            <a:off x="1353236" y="376916"/>
+            <a:ext cx="4970145" cy="558165"/>
+          </a:xfrm>
+          <a:prstGeom prst="rect">
+            <a:avLst/>
+          </a:prstGeom>
+        </p:spPr>
+        <p:txBody>
+          <a:bodyPr vert="horz" wrap="square" lIns="0" tIns="0" rIns="0" bIns="0"/>
+          <a:lstStyle/>
+          <a:p>
+            <a:pPr algn="l" rtl="0" eaLnBrk="0">
+              <a:lnSpc>
+                <a:spcPct val="85395"/>
+              </a:lnSpc>
+              <a:tabLst/>
+            </a:pPr>
+            <a:endParaRPr lang="Arial" altLang="Arial" sz="100" dirty="0"/>
+          </a:p>
+          <a:p>
+            <a:pPr marL="12700" algn="l" rtl="0" eaLnBrk="0">
+              <a:lnSpc>
+                <a:spcPct val="97000"/>
+              </a:lnSpc>
+              <a:tabLst/>
+            </a:pPr>
+            <a:r>
+              <a:rPr lang="zh-CN" altLang="en-US" sz="3600" dirty="0"/>
+              <a:t>浏览器渲染原理</a:t>
+            </a:r>
+            <a:endParaRPr lang="Microsoft YaHei" altLang="Microsoft YaHei" sz="3600" dirty="0"/>
+          </a:p>
+        </p:txBody>
+      </p:sp>
+      <p:grpSp>
+        <p:nvGrpSpPr>
+          <p:cNvPr id="6" name="group 6"/>
+          <p:cNvGrpSpPr/>
+          <p:nvPr/>
+        </p:nvGrpSpPr>
+        <p:grpSpPr>
+          <a:xfrm rot="21600000">
+            <a:off x="209222" y="234950"/>
+            <a:ext cx="814177" cy="814196"/>
+            <a:chOff x="0" y="0"/>
+            <a:chExt cx="814177" cy="814196"/>
+          </a:xfrm>
+        </p:grpSpPr>
+        <p:pic>
+          <p:nvPicPr>
+            <p:cNvPr id="68" name="picture 68"/>
+            <p:cNvPicPr>
+              <a:picLocks noChangeAspect="1"/>
+            </p:cNvPicPr>
+            <p:nvPr/>
+          </p:nvPicPr>
+          <p:blipFill>
+            <a:blip r:embed="rId2"/>
+            <a:stretch>
+              <a:fillRect/>
+            </a:stretch>
+          </p:blipFill>
+          <p:spPr>
+            <a:xfrm rot="21600000">
+              <a:off x="0" y="0"/>
+              <a:ext cx="814177" cy="814196"/>
+            </a:xfrm>
+            <a:prstGeom prst="rect">
+              <a:avLst/>
+            </a:prstGeom>
+          </p:spPr>
+        </p:pic>
+        <p:sp>
+          <p:nvSpPr>
+            <p:cNvPr id="70" name="textbox 70"/>
+            <p:cNvSpPr/>
+            <p:nvPr/>
+          </p:nvSpPr>
+          <p:spPr>
+            <a:xfrm>
+              <a:off x="-12700" y="-12700"/>
+              <a:ext cx="840105" cy="843914"/>
+            </a:xfrm>
+            <a:prstGeom prst="rect">
+              <a:avLst/>
+            </a:prstGeom>
+          </p:spPr>
+          <p:txBody>
+            <a:bodyPr vert="horz" wrap="square" lIns="0" tIns="0" rIns="0" bIns="0"/>
+            <a:lstStyle/>
+            <a:p>
+              <a:pPr algn="l" rtl="0" eaLnBrk="0">
+                <a:lnSpc>
+                  <a:spcPct val="114000"/>
+                </a:lnSpc>
+                <a:tabLst/>
+              </a:pPr>
+              <a:endParaRPr lang="Arial" altLang="Arial" sz="1000" dirty="0"/>
+            </a:p>
+            <a:p>
+              <a:pPr algn="l" rtl="0" eaLnBrk="0">
+                <a:lnSpc>
+                  <a:spcPct val="114000"/>
+                </a:lnSpc>
+                <a:tabLst/>
+              </a:pPr>
+              <a:endParaRPr lang="Arial" altLang="Arial" sz="1000" dirty="0"/>
+            </a:p>
+            <a:p>
+              <a:pPr algn="l" rtl="0" eaLnBrk="0">
+                <a:lnSpc>
+                  <a:spcPct val="7067"/>
+                </a:lnSpc>
+                <a:tabLst/>
+              </a:pPr>
+              <a:endParaRPr lang="Arial" altLang="Arial" sz="100" dirty="0"/>
+            </a:p>
+            <a:p>
+              <a:pPr marL="106679" algn="l" rtl="0" eaLnBrk="0">
+                <a:lnSpc>
+                  <a:spcPct val="81000"/>
+                </a:lnSpc>
+                <a:tabLst/>
+              </a:pPr>
+              <a:r>
+                <a:rPr sz="1100" b="1" kern="0" spc="-10" dirty="0">
+                  <a:solidFill>
+                    <a:srgbClr val="FFFFFF">
+                      <a:alpha val="100000"/>
+                    </a:srgbClr>
+                  </a:solidFill>
+                  <a:latin typeface="Arial"/>
+                  <a:ea typeface="Arial"/>
+                  <a:cs typeface="Arial"/>
+                </a:rPr>
+                <a:t>coderwhy</a:t>
+              </a:r>
+              <a:endParaRPr lang="Arial" altLang="Arial" sz="1100" dirty="0"/>
+            </a:p>
+          </p:txBody>
+        </p:sp>
+      </p:grpSp>
+      <p:sp>
+        <p:nvSpPr>
+          <p:cNvPr id="72" name="rect"/>
+          <p:cNvSpPr/>
+          <p:nvPr/>
+        </p:nvSpPr>
+        <p:spPr>
+          <a:xfrm>
+            <a:off x="1047750" y="1010602"/>
+            <a:ext cx="11144250" cy="28575"/>
+          </a:xfrm>
+          <a:prstGeom prst="rect">
+            <a:avLst/>
+          </a:prstGeom>
+          <a:solidFill>
+            <a:srgbClr val="F0A22E">
+              <a:alpha val="100000"/>
+            </a:srgbClr>
+          </a:solidFill>
+          <a:ln cap="flat">
+            <a:noFill/>
+            <a:prstDash val="solid"/>
+            <a:miter lim="0"/>
+          </a:ln>
+        </p:spPr>
+        <p:txBody>
+          <a:bodyPr rtlCol="0"/>
+          <a:lstStyle/>
+          <a:p>
+            <a:pPr algn="ctr"/>
+            <a:endParaRPr lang="zh-CN" altLang="en-US"/>
+          </a:p>
+        </p:txBody>
+      </p:sp>
+      <p:pic>
+        <p:nvPicPr>
+          <p:cNvPr id="74" name="picture 74"/>
+          <p:cNvPicPr>
+            <a:picLocks noChangeAspect="1"/>
+          </p:cNvPicPr>
+          <p:nvPr/>
+        </p:nvPicPr>
+        <p:blipFill>
+          <a:blip r:embed="rId3"/>
+          <a:stretch>
+            <a:fillRect/>
+          </a:stretch>
+        </p:blipFill>
+        <p:spPr>
+          <a:xfrm rot="21600000">
+            <a:off x="10150475" y="750951"/>
+            <a:ext cx="1508125" cy="276605"/>
+          </a:xfrm>
+          <a:prstGeom prst="rect">
+            <a:avLst/>
+          </a:prstGeom>
+        </p:spPr>
+      </p:pic>
+      <p:grpSp>
+        <p:nvGrpSpPr>
+          <p:cNvPr id="2" name="group 2">
+            <a:extLst>
+              <a:ext uri="{FF2B5EF4-FFF2-40B4-BE49-F238E27FC236}">
+                <a16:creationId xmlns:a16="http://schemas.microsoft.com/office/drawing/2014/main" id="{39F216D8-B7CD-D28E-988D-F30CF019E646}"/>
+              </a:ext>
+            </a:extLst>
+          </p:cNvPr>
+          <p:cNvGrpSpPr/>
+          <p:nvPr/>
+        </p:nvGrpSpPr>
+        <p:grpSpPr>
+          <a:xfrm rot="21600000">
+            <a:off x="196522" y="217063"/>
+            <a:ext cx="899558" cy="832083"/>
+            <a:chOff x="-72153" y="141965"/>
+            <a:chExt cx="899558" cy="832083"/>
+          </a:xfrm>
+        </p:grpSpPr>
+        <p:pic>
+          <p:nvPicPr>
+            <p:cNvPr id="4" name="picture 36">
+              <a:extLst>
+                <a:ext uri="{FF2B5EF4-FFF2-40B4-BE49-F238E27FC236}">
+                  <a16:creationId xmlns:a16="http://schemas.microsoft.com/office/drawing/2014/main" id="{4D09AA54-E023-C96A-49BE-5D76F28A37D4}"/>
+                </a:ext>
+              </a:extLst>
+            </p:cNvPr>
+            <p:cNvPicPr>
+              <a:picLocks noChangeAspect="1"/>
+            </p:cNvPicPr>
+            <p:nvPr/>
+          </p:nvPicPr>
+          <p:blipFill>
+            <a:blip r:embed="rId2"/>
+            <a:stretch>
+              <a:fillRect/>
+            </a:stretch>
+          </p:blipFill>
+          <p:spPr>
+            <a:xfrm>
+              <a:off x="-72153" y="159852"/>
+              <a:ext cx="814177" cy="814196"/>
+            </a:xfrm>
+            <a:prstGeom prst="rect">
+              <a:avLst/>
+            </a:prstGeom>
+          </p:spPr>
+        </p:pic>
+        <p:sp>
+          <p:nvSpPr>
+            <p:cNvPr id="7" name="textbox 38">
+              <a:extLst>
+                <a:ext uri="{FF2B5EF4-FFF2-40B4-BE49-F238E27FC236}">
+                  <a16:creationId xmlns:a16="http://schemas.microsoft.com/office/drawing/2014/main" id="{477436E3-1756-1880-7723-691F37724677}"/>
+                </a:ext>
+              </a:extLst>
+            </p:cNvPr>
+            <p:cNvSpPr/>
+            <p:nvPr/>
+          </p:nvSpPr>
+          <p:spPr>
+            <a:xfrm>
+              <a:off x="-12700" y="141965"/>
+              <a:ext cx="840105" cy="715741"/>
+            </a:xfrm>
+            <a:prstGeom prst="rect">
+              <a:avLst/>
+            </a:prstGeom>
+          </p:spPr>
+          <p:txBody>
+            <a:bodyPr vert="eaVert" wrap="square" lIns="0" tIns="0" rIns="0" bIns="0" anchor="t"/>
+            <a:lstStyle/>
+            <a:p>
+              <a:pPr algn="l" rtl="0" eaLnBrk="0">
+                <a:lnSpc>
+                  <a:spcPct val="114000"/>
+                </a:lnSpc>
+                <a:tabLst/>
+              </a:pPr>
+              <a:endParaRPr lang="Arial" altLang="Arial" sz="1000" dirty="0"/>
+            </a:p>
+            <a:p>
+              <a:pPr marL="106679" algn="ctr" rtl="0" eaLnBrk="0">
+                <a:lnSpc>
+                  <a:spcPct val="81000"/>
+                </a:lnSpc>
+                <a:tabLst/>
+              </a:pPr>
+              <a:endParaRPr lang="en-US" altLang="zh-CN" sz="1000" dirty="0"/>
+            </a:p>
+            <a:p>
+              <a:pPr marL="106679" algn="ctr" rtl="0" eaLnBrk="0">
+                <a:lnSpc>
+                  <a:spcPct val="81000"/>
+                </a:lnSpc>
+                <a:tabLst/>
+              </a:pPr>
+              <a:endParaRPr lang="en-US" altLang="zh-CN" sz="1000" b="1" kern="0" spc="-10" dirty="0">
+                <a:solidFill>
+                  <a:srgbClr val="FFFFFF">
+                    <a:alpha val="100000"/>
+                  </a:srgbClr>
+                </a:solidFill>
+                <a:latin typeface="Arial"/>
+                <a:ea typeface="Arial"/>
+                <a:cs typeface="Arial"/>
+              </a:endParaRPr>
+            </a:p>
+            <a:p>
+              <a:pPr marL="106679" algn="ctr" rtl="0" eaLnBrk="0">
+                <a:tabLst/>
+              </a:pPr>
+              <a:r>
+                <a:rPr lang="zh-CN" altLang="en-US" sz="1100" b="1" kern="0" spc="-10" dirty="0">
+                  <a:solidFill>
+                    <a:srgbClr val="FFFFFF">
+                      <a:alpha val="100000"/>
+                    </a:srgbClr>
+                  </a:solidFill>
+                  <a:latin typeface="Arial"/>
+                  <a:ea typeface="Arial"/>
+                  <a:cs typeface="Arial"/>
+                </a:rPr>
+                <a:t>小前端</a:t>
+              </a:r>
+              <a:endParaRPr lang="Arial" altLang="Arial" sz="1100" dirty="0"/>
+            </a:p>
+          </p:txBody>
+        </p:sp>
+      </p:grpSp>
+      <p:pic>
+        <p:nvPicPr>
+          <p:cNvPr id="5" name="图片 4">
+            <a:extLst>
+              <a:ext uri="{FF2B5EF4-FFF2-40B4-BE49-F238E27FC236}">
+                <a16:creationId xmlns:a16="http://schemas.microsoft.com/office/drawing/2014/main" id="{52D3E27F-2FEA-9930-15A5-731CB353260C}"/>
+              </a:ext>
+            </a:extLst>
+          </p:cNvPr>
+          <p:cNvPicPr>
+            <a:picLocks noChangeAspect="1"/>
+          </p:cNvPicPr>
+          <p:nvPr/>
+        </p:nvPicPr>
+        <p:blipFill>
+          <a:blip r:embed="rId4"/>
+          <a:stretch>
+            <a:fillRect/>
+          </a:stretch>
+        </p:blipFill>
+        <p:spPr>
+          <a:xfrm>
+            <a:off x="1096080" y="1188801"/>
+            <a:ext cx="9134475" cy="5450123"/>
+          </a:xfrm>
+          <a:prstGeom prst="rect">
+            <a:avLst/>
+          </a:prstGeom>
+        </p:spPr>
+      </p:pic>
+    </p:spTree>
+    <p:extLst>
+      <p:ext uri="{BB962C8B-B14F-4D97-AF65-F5344CB8AC3E}">
+        <p14:creationId xmlns:p14="http://schemas.microsoft.com/office/powerpoint/2010/main" val="285481645"/>
+      </p:ext>
+    </p:extLst>
+  </p:cSld>
+  <p:clrMapOvr>
+    <a:masterClrMapping/>
+  </p:clrMapOvr>
+</p:sld>
+</file>
+
+<file path=ppt/slides/slide13.xml><?xml version="1.0" encoding="utf-8"?>
+<p:sld xmlns:a="http://schemas.openxmlformats.org/drawingml/2006/main" xmlns:r="http://schemas.openxmlformats.org/officeDocument/2006/relationships" xmlns:p="http://schemas.openxmlformats.org/presentationml/2006/main">
+  <p:cSld>
+    <p:spTree>
+      <p:nvGrpSpPr>
+        <p:cNvPr id="1" name=""/>
+        <p:cNvGrpSpPr/>
+        <p:nvPr/>
+      </p:nvGrpSpPr>
+      <p:grpSpPr>
+        <a:xfrm>
+          <a:off x="0" y="0"/>
+          <a:ext cx="0" cy="0"/>
+          <a:chOff x="0" y="0"/>
+          <a:chExt cx="0" cy="0"/>
+        </a:xfrm>
+      </p:grpSpPr>
+      <p:sp>
+        <p:nvSpPr>
+          <p:cNvPr id="66" name="textbox 66"/>
+          <p:cNvSpPr/>
+          <p:nvPr/>
+        </p:nvSpPr>
+        <p:spPr>
+          <a:xfrm>
+            <a:off x="1353236" y="376916"/>
+            <a:ext cx="4970145" cy="558165"/>
+          </a:xfrm>
+          <a:prstGeom prst="rect">
+            <a:avLst/>
+          </a:prstGeom>
+        </p:spPr>
+        <p:txBody>
+          <a:bodyPr vert="horz" wrap="square" lIns="0" tIns="0" rIns="0" bIns="0"/>
+          <a:lstStyle/>
+          <a:p>
+            <a:pPr algn="l" rtl="0" eaLnBrk="0">
+              <a:lnSpc>
+                <a:spcPct val="85395"/>
+              </a:lnSpc>
+              <a:tabLst/>
+            </a:pPr>
+            <a:endParaRPr lang="Arial" altLang="Arial" sz="100" dirty="0"/>
+          </a:p>
+          <a:p>
+            <a:pPr marL="12700" algn="l" rtl="0" eaLnBrk="0">
+              <a:lnSpc>
+                <a:spcPct val="97000"/>
+              </a:lnSpc>
+              <a:tabLst/>
+            </a:pPr>
+            <a:r>
+              <a:rPr lang="zh-CN" altLang="en-US" sz="3600" dirty="0"/>
+              <a:t>动画的优化</a:t>
+            </a:r>
+            <a:endParaRPr lang="Microsoft YaHei" altLang="Microsoft YaHei" sz="3600" dirty="0"/>
+          </a:p>
+        </p:txBody>
+      </p:sp>
+      <p:grpSp>
+        <p:nvGrpSpPr>
+          <p:cNvPr id="6" name="group 6"/>
+          <p:cNvGrpSpPr/>
+          <p:nvPr/>
+        </p:nvGrpSpPr>
+        <p:grpSpPr>
+          <a:xfrm rot="21600000">
+            <a:off x="209222" y="234950"/>
+            <a:ext cx="814177" cy="814196"/>
+            <a:chOff x="0" y="0"/>
+            <a:chExt cx="814177" cy="814196"/>
+          </a:xfrm>
+        </p:grpSpPr>
+        <p:pic>
+          <p:nvPicPr>
+            <p:cNvPr id="68" name="picture 68"/>
+            <p:cNvPicPr>
+              <a:picLocks noChangeAspect="1"/>
+            </p:cNvPicPr>
+            <p:nvPr/>
+          </p:nvPicPr>
+          <p:blipFill>
+            <a:blip r:embed="rId2"/>
+            <a:stretch>
+              <a:fillRect/>
+            </a:stretch>
+          </p:blipFill>
+          <p:spPr>
+            <a:xfrm rot="21600000">
+              <a:off x="0" y="0"/>
+              <a:ext cx="814177" cy="814196"/>
+            </a:xfrm>
+            <a:prstGeom prst="rect">
+              <a:avLst/>
+            </a:prstGeom>
+          </p:spPr>
+        </p:pic>
+        <p:sp>
+          <p:nvSpPr>
+            <p:cNvPr id="70" name="textbox 70"/>
+            <p:cNvSpPr/>
+            <p:nvPr/>
+          </p:nvSpPr>
+          <p:spPr>
+            <a:xfrm>
+              <a:off x="-12700" y="-12700"/>
+              <a:ext cx="840105" cy="843914"/>
+            </a:xfrm>
+            <a:prstGeom prst="rect">
+              <a:avLst/>
+            </a:prstGeom>
+          </p:spPr>
+          <p:txBody>
+            <a:bodyPr vert="horz" wrap="square" lIns="0" tIns="0" rIns="0" bIns="0"/>
+            <a:lstStyle/>
+            <a:p>
+              <a:pPr algn="l" rtl="0" eaLnBrk="0">
+                <a:lnSpc>
+                  <a:spcPct val="114000"/>
+                </a:lnSpc>
+                <a:tabLst/>
+              </a:pPr>
+              <a:endParaRPr lang="Arial" altLang="Arial" sz="1000" dirty="0"/>
+            </a:p>
+            <a:p>
+              <a:pPr algn="l" rtl="0" eaLnBrk="0">
+                <a:lnSpc>
+                  <a:spcPct val="114000"/>
+                </a:lnSpc>
+                <a:tabLst/>
+              </a:pPr>
+              <a:endParaRPr lang="Arial" altLang="Arial" sz="1000" dirty="0"/>
+            </a:p>
+            <a:p>
+              <a:pPr algn="l" rtl="0" eaLnBrk="0">
+                <a:lnSpc>
+                  <a:spcPct val="7067"/>
+                </a:lnSpc>
+                <a:tabLst/>
+              </a:pPr>
+              <a:endParaRPr lang="Arial" altLang="Arial" sz="100" dirty="0"/>
+            </a:p>
+            <a:p>
+              <a:pPr marL="106679" algn="l" rtl="0" eaLnBrk="0">
+                <a:lnSpc>
+                  <a:spcPct val="81000"/>
+                </a:lnSpc>
+                <a:tabLst/>
+              </a:pPr>
+              <a:r>
+                <a:rPr sz="1100" b="1" kern="0" spc="-10" dirty="0">
+                  <a:solidFill>
+                    <a:srgbClr val="FFFFFF">
+                      <a:alpha val="100000"/>
+                    </a:srgbClr>
+                  </a:solidFill>
+                  <a:latin typeface="Arial"/>
+                  <a:ea typeface="Arial"/>
+                  <a:cs typeface="Arial"/>
+                </a:rPr>
+                <a:t>coderwhy</a:t>
+              </a:r>
+              <a:endParaRPr lang="Arial" altLang="Arial" sz="1100" dirty="0"/>
+            </a:p>
+          </p:txBody>
+        </p:sp>
+      </p:grpSp>
+      <p:sp>
+        <p:nvSpPr>
+          <p:cNvPr id="72" name="rect"/>
+          <p:cNvSpPr/>
+          <p:nvPr/>
+        </p:nvSpPr>
+        <p:spPr>
+          <a:xfrm>
+            <a:off x="1047750" y="1010602"/>
+            <a:ext cx="11144250" cy="28575"/>
+          </a:xfrm>
+          <a:prstGeom prst="rect">
+            <a:avLst/>
+          </a:prstGeom>
+          <a:solidFill>
+            <a:srgbClr val="F0A22E">
+              <a:alpha val="100000"/>
+            </a:srgbClr>
+          </a:solidFill>
+          <a:ln cap="flat">
+            <a:noFill/>
+            <a:prstDash val="solid"/>
+            <a:miter lim="0"/>
+          </a:ln>
+        </p:spPr>
+        <p:txBody>
+          <a:bodyPr rtlCol="0"/>
+          <a:lstStyle/>
+          <a:p>
+            <a:pPr algn="ctr"/>
+            <a:endParaRPr lang="zh-CN" altLang="en-US"/>
+          </a:p>
+        </p:txBody>
+      </p:sp>
+      <p:pic>
+        <p:nvPicPr>
+          <p:cNvPr id="74" name="picture 74"/>
+          <p:cNvPicPr>
+            <a:picLocks noChangeAspect="1"/>
+          </p:cNvPicPr>
+          <p:nvPr/>
+        </p:nvPicPr>
+        <p:blipFill>
+          <a:blip r:embed="rId3"/>
+          <a:stretch>
+            <a:fillRect/>
+          </a:stretch>
+        </p:blipFill>
+        <p:spPr>
+          <a:xfrm rot="21600000">
+            <a:off x="10150475" y="750951"/>
+            <a:ext cx="1508125" cy="276605"/>
+          </a:xfrm>
+          <a:prstGeom prst="rect">
+            <a:avLst/>
+          </a:prstGeom>
+        </p:spPr>
+      </p:pic>
+      <p:grpSp>
+        <p:nvGrpSpPr>
+          <p:cNvPr id="2" name="group 2">
+            <a:extLst>
+              <a:ext uri="{FF2B5EF4-FFF2-40B4-BE49-F238E27FC236}">
+                <a16:creationId xmlns:a16="http://schemas.microsoft.com/office/drawing/2014/main" id="{39F216D8-B7CD-D28E-988D-F30CF019E646}"/>
+              </a:ext>
+            </a:extLst>
+          </p:cNvPr>
+          <p:cNvGrpSpPr/>
+          <p:nvPr/>
+        </p:nvGrpSpPr>
+        <p:grpSpPr>
+          <a:xfrm rot="21600000">
+            <a:off x="196522" y="217063"/>
+            <a:ext cx="899558" cy="832083"/>
+            <a:chOff x="-72153" y="141965"/>
+            <a:chExt cx="899558" cy="832083"/>
+          </a:xfrm>
+        </p:grpSpPr>
+        <p:pic>
+          <p:nvPicPr>
+            <p:cNvPr id="4" name="picture 36">
+              <a:extLst>
+                <a:ext uri="{FF2B5EF4-FFF2-40B4-BE49-F238E27FC236}">
+                  <a16:creationId xmlns:a16="http://schemas.microsoft.com/office/drawing/2014/main" id="{4D09AA54-E023-C96A-49BE-5D76F28A37D4}"/>
+                </a:ext>
+              </a:extLst>
+            </p:cNvPr>
+            <p:cNvPicPr>
+              <a:picLocks noChangeAspect="1"/>
+            </p:cNvPicPr>
+            <p:nvPr/>
+          </p:nvPicPr>
+          <p:blipFill>
+            <a:blip r:embed="rId2"/>
+            <a:stretch>
+              <a:fillRect/>
+            </a:stretch>
+          </p:blipFill>
+          <p:spPr>
+            <a:xfrm>
+              <a:off x="-72153" y="159852"/>
+              <a:ext cx="814177" cy="814196"/>
+            </a:xfrm>
+            <a:prstGeom prst="rect">
+              <a:avLst/>
+            </a:prstGeom>
+          </p:spPr>
+        </p:pic>
+        <p:sp>
+          <p:nvSpPr>
+            <p:cNvPr id="7" name="textbox 38">
+              <a:extLst>
+                <a:ext uri="{FF2B5EF4-FFF2-40B4-BE49-F238E27FC236}">
+                  <a16:creationId xmlns:a16="http://schemas.microsoft.com/office/drawing/2014/main" id="{477436E3-1756-1880-7723-691F37724677}"/>
+                </a:ext>
+              </a:extLst>
+            </p:cNvPr>
+            <p:cNvSpPr/>
+            <p:nvPr/>
+          </p:nvSpPr>
+          <p:spPr>
+            <a:xfrm>
+              <a:off x="-12700" y="141965"/>
+              <a:ext cx="840105" cy="715741"/>
+            </a:xfrm>
+            <a:prstGeom prst="rect">
+              <a:avLst/>
+            </a:prstGeom>
+          </p:spPr>
+          <p:txBody>
+            <a:bodyPr vert="eaVert" wrap="square" lIns="0" tIns="0" rIns="0" bIns="0" anchor="t"/>
+            <a:lstStyle/>
+            <a:p>
+              <a:pPr algn="l" rtl="0" eaLnBrk="0">
+                <a:lnSpc>
+                  <a:spcPct val="114000"/>
+                </a:lnSpc>
+                <a:tabLst/>
+              </a:pPr>
+              <a:endParaRPr lang="Arial" altLang="Arial" sz="1000" dirty="0"/>
+            </a:p>
+            <a:p>
+              <a:pPr marL="106679" algn="ctr" rtl="0" eaLnBrk="0">
+                <a:lnSpc>
+                  <a:spcPct val="81000"/>
+                </a:lnSpc>
+                <a:tabLst/>
+              </a:pPr>
+              <a:endParaRPr lang="en-US" altLang="zh-CN" sz="1000" dirty="0"/>
+            </a:p>
+            <a:p>
+              <a:pPr marL="106679" algn="ctr" rtl="0" eaLnBrk="0">
+                <a:lnSpc>
+                  <a:spcPct val="81000"/>
+                </a:lnSpc>
+                <a:tabLst/>
+              </a:pPr>
+              <a:endParaRPr lang="en-US" altLang="zh-CN" sz="1000" b="1" kern="0" spc="-10" dirty="0">
+                <a:solidFill>
+                  <a:srgbClr val="FFFFFF">
+                    <a:alpha val="100000"/>
+                  </a:srgbClr>
+                </a:solidFill>
+                <a:latin typeface="Arial"/>
+                <a:ea typeface="Arial"/>
+                <a:cs typeface="Arial"/>
+              </a:endParaRPr>
+            </a:p>
+            <a:p>
+              <a:pPr marL="106679" algn="ctr" rtl="0" eaLnBrk="0">
+                <a:tabLst/>
+              </a:pPr>
+              <a:r>
+                <a:rPr lang="zh-CN" altLang="en-US" sz="1100" b="1" kern="0" spc="-10" dirty="0">
+                  <a:solidFill>
+                    <a:srgbClr val="FFFFFF">
+                      <a:alpha val="100000"/>
+                    </a:srgbClr>
+                  </a:solidFill>
+                  <a:latin typeface="Arial"/>
+                  <a:ea typeface="Arial"/>
+                  <a:cs typeface="Arial"/>
+                </a:rPr>
+                <a:t>小前端</a:t>
+              </a:r>
+              <a:endParaRPr lang="Arial" altLang="Arial" sz="1100" dirty="0"/>
+            </a:p>
+          </p:txBody>
+        </p:sp>
+      </p:grpSp>
+      <p:graphicFrame>
+        <p:nvGraphicFramePr>
+          <p:cNvPr id="10" name="表格 9">
+            <a:extLst>
+              <a:ext uri="{FF2B5EF4-FFF2-40B4-BE49-F238E27FC236}">
+                <a16:creationId xmlns:a16="http://schemas.microsoft.com/office/drawing/2014/main" id="{3BBE07CC-810A-8BB5-61E0-6ACCDDA02782}"/>
+              </a:ext>
+            </a:extLst>
+          </p:cNvPr>
+          <p:cNvGraphicFramePr>
+            <a:graphicFrameLocks noGrp="1"/>
+          </p:cNvGraphicFramePr>
+          <p:nvPr>
+            <p:extLst>
+              <p:ext uri="{D42A27DB-BD31-4B8C-83A1-F6EECF244321}">
+                <p14:modId xmlns:p14="http://schemas.microsoft.com/office/powerpoint/2010/main" val="2134443320"/>
+              </p:ext>
+            </p:extLst>
+          </p:nvPr>
+        </p:nvGraphicFramePr>
+        <p:xfrm>
+          <a:off x="616310" y="1574800"/>
+          <a:ext cx="8128000" cy="1854200"/>
+        </p:xfrm>
+        <a:graphic>
+          <a:graphicData uri="http://schemas.openxmlformats.org/drawingml/2006/table">
+            <a:tbl>
+              <a:tblPr firstRow="1" bandRow="1">
+                <a:tableStyleId>{5C22544A-7EE6-4342-B048-85BDC9FD1C3A}</a:tableStyleId>
+              </a:tblPr>
+              <a:tblGrid>
+                <a:gridCol w="4064000">
+                  <a:extLst>
+                    <a:ext uri="{9D8B030D-6E8A-4147-A177-3AD203B41FA5}">
+                      <a16:colId xmlns:a16="http://schemas.microsoft.com/office/drawing/2014/main" val="2484019788"/>
+                    </a:ext>
+                  </a:extLst>
+                </a:gridCol>
+                <a:gridCol w="4064000">
+                  <a:extLst>
+                    <a:ext uri="{9D8B030D-6E8A-4147-A177-3AD203B41FA5}">
+                      <a16:colId xmlns:a16="http://schemas.microsoft.com/office/drawing/2014/main" val="3124401728"/>
+                    </a:ext>
+                  </a:extLst>
+                </a:gridCol>
+              </a:tblGrid>
+              <a:tr h="370840">
+                <a:tc>
+                  <a:txBody>
+                    <a:bodyPr/>
+                    <a:lstStyle/>
+                    <a:p>
+                      <a:endParaRPr lang="zh-CN" altLang="en-US" dirty="0"/>
+                    </a:p>
+                  </a:txBody>
+                  <a:tcPr/>
+                </a:tc>
+                <a:tc>
+                  <a:txBody>
+                    <a:bodyPr/>
+                    <a:lstStyle/>
+                    <a:p>
+                      <a:endParaRPr lang="zh-CN" altLang="en-US"/>
+                    </a:p>
+                  </a:txBody>
+                  <a:tcPr/>
+                </a:tc>
+                <a:extLst>
+                  <a:ext uri="{0D108BD9-81ED-4DB2-BD59-A6C34878D82A}">
+                    <a16:rowId xmlns:a16="http://schemas.microsoft.com/office/drawing/2014/main" val="879860403"/>
+                  </a:ext>
+                </a:extLst>
+              </a:tr>
+              <a:tr h="370840">
+                <a:tc>
+                  <a:txBody>
+                    <a:bodyPr/>
+                    <a:lstStyle/>
+                    <a:p>
+                      <a:endParaRPr lang="zh-CN" altLang="en-US" dirty="0"/>
+                    </a:p>
+                  </a:txBody>
+                  <a:tcPr/>
+                </a:tc>
+                <a:tc>
+                  <a:txBody>
+                    <a:bodyPr/>
+                    <a:lstStyle/>
+                    <a:p>
+                      <a:endParaRPr lang="zh-CN" altLang="en-US"/>
+                    </a:p>
+                  </a:txBody>
+                  <a:tcPr/>
+                </a:tc>
+                <a:extLst>
+                  <a:ext uri="{0D108BD9-81ED-4DB2-BD59-A6C34878D82A}">
+                    <a16:rowId xmlns:a16="http://schemas.microsoft.com/office/drawing/2014/main" val="3031258507"/>
+                  </a:ext>
+                </a:extLst>
+              </a:tr>
+              <a:tr h="370840">
+                <a:tc>
+                  <a:txBody>
+                    <a:bodyPr/>
+                    <a:lstStyle/>
+                    <a:p>
+                      <a:endParaRPr lang="zh-CN" altLang="en-US"/>
+                    </a:p>
+                  </a:txBody>
+                  <a:tcPr/>
+                </a:tc>
+                <a:tc>
+                  <a:txBody>
+                    <a:bodyPr/>
+                    <a:lstStyle/>
+                    <a:p>
+                      <a:endParaRPr lang="zh-CN" altLang="en-US"/>
+                    </a:p>
+                  </a:txBody>
+                  <a:tcPr/>
+                </a:tc>
+                <a:extLst>
+                  <a:ext uri="{0D108BD9-81ED-4DB2-BD59-A6C34878D82A}">
+                    <a16:rowId xmlns:a16="http://schemas.microsoft.com/office/drawing/2014/main" val="1951408613"/>
+                  </a:ext>
+                </a:extLst>
+              </a:tr>
+              <a:tr h="370840">
+                <a:tc>
+                  <a:txBody>
+                    <a:bodyPr/>
+                    <a:lstStyle/>
+                    <a:p>
+                      <a:endParaRPr lang="zh-CN" altLang="en-US"/>
+                    </a:p>
+                  </a:txBody>
+                  <a:tcPr/>
+                </a:tc>
+                <a:tc>
+                  <a:txBody>
+                    <a:bodyPr/>
+                    <a:lstStyle/>
+                    <a:p>
+                      <a:endParaRPr lang="zh-CN" altLang="en-US"/>
+                    </a:p>
+                  </a:txBody>
+                  <a:tcPr/>
+                </a:tc>
+                <a:extLst>
+                  <a:ext uri="{0D108BD9-81ED-4DB2-BD59-A6C34878D82A}">
+                    <a16:rowId xmlns:a16="http://schemas.microsoft.com/office/drawing/2014/main" val="2958110551"/>
+                  </a:ext>
+                </a:extLst>
+              </a:tr>
+              <a:tr h="370840">
+                <a:tc>
+                  <a:txBody>
+                    <a:bodyPr/>
+                    <a:lstStyle/>
+                    <a:p>
+                      <a:endParaRPr lang="zh-CN" altLang="en-US"/>
+                    </a:p>
+                  </a:txBody>
+                  <a:tcPr/>
+                </a:tc>
+                <a:tc>
+                  <a:txBody>
+                    <a:bodyPr/>
+                    <a:lstStyle/>
+                    <a:p>
+                      <a:endParaRPr lang="zh-CN" altLang="en-US" dirty="0"/>
+                    </a:p>
+                  </a:txBody>
+                  <a:tcPr/>
+                </a:tc>
+                <a:extLst>
+                  <a:ext uri="{0D108BD9-81ED-4DB2-BD59-A6C34878D82A}">
+                    <a16:rowId xmlns:a16="http://schemas.microsoft.com/office/drawing/2014/main" val="1526276557"/>
+                  </a:ext>
+                </a:extLst>
+              </a:tr>
+            </a:tbl>
+          </a:graphicData>
+        </a:graphic>
+      </p:graphicFrame>
+    </p:spTree>
+    <p:extLst>
+      <p:ext uri="{BB962C8B-B14F-4D97-AF65-F5344CB8AC3E}">
+        <p14:creationId xmlns:p14="http://schemas.microsoft.com/office/powerpoint/2010/main" val="3205911252"/>
+      </p:ext>
+    </p:extLst>
+  </p:cSld>
+  <p:clrMapOvr>
+    <a:masterClrMapping/>
+  </p:clrMapOvr>
+</p:sld>
+</file>
+
+<file path=ppt/slides/slide14.xml><?xml version="1.0" encoding="utf-8"?>
+<p:sld xmlns:a="http://schemas.openxmlformats.org/drawingml/2006/main" xmlns:r="http://schemas.openxmlformats.org/officeDocument/2006/relationships" xmlns:p="http://schemas.openxmlformats.org/presentationml/2006/main">
+  <p:cSld>
+    <p:spTree>
+      <p:nvGrpSpPr>
+        <p:cNvPr id="1" name=""/>
+        <p:cNvGrpSpPr/>
+        <p:nvPr/>
+      </p:nvGrpSpPr>
+      <p:grpSpPr>
+        <a:xfrm>
+          <a:off x="0" y="0"/>
+          <a:ext cx="0" cy="0"/>
+          <a:chOff x="0" y="0"/>
+          <a:chExt cx="0" cy="0"/>
+        </a:xfrm>
+      </p:grpSpPr>
       <p:pic>
         <p:nvPicPr>
           <p:cNvPr id="3" name="图片 2">
@@ -7114,7 +8921,7 @@
         <p:spPr>
           <a:xfrm>
             <a:off x="1353236" y="376916"/>
-            <a:ext cx="8146364" cy="558165"/>
+            <a:ext cx="7020297" cy="558165"/>
           </a:xfrm>
           <a:prstGeom prst="rect">
             <a:avLst/>
@@ -7140,6 +8947,19 @@
               <a:tabLst/>
             </a:pPr>
             <a:r>
+              <a:rPr lang="en-US" altLang="zh-CN" sz="3600" b="1" kern="0" spc="-30" dirty="0" err="1">
+                <a:solidFill>
+                  <a:srgbClr val="404040">
+                    <a:alpha val="100000"/>
+                  </a:srgbClr>
+                </a:solidFill>
+                <a:latin typeface="Microsoft YaHei"/>
+                <a:ea typeface="Microsoft YaHei"/>
+                <a:cs typeface="Microsoft YaHei"/>
+              </a:rPr>
+              <a:t>Animation&amp;Transition</a:t>
+            </a:r>
+            <a:r>
               <a:rPr lang="zh-CN" altLang="en-US" sz="3600" b="1" kern="0" spc="-30" dirty="0">
                 <a:solidFill>
                   <a:srgbClr val="404040">
@@ -7148,44 +8968,9 @@
                 </a:solidFill>
                 <a:latin typeface="Microsoft YaHei"/>
                 <a:ea typeface="Microsoft YaHei"/>
-              </a:rPr>
-              <a:t>动画设计的思考</a:t>
-            </a:r>
-            <a:r>
-              <a:rPr lang="en-US" altLang="zh-CN" sz="3600" b="1" kern="0" spc="-30" dirty="0">
-                <a:solidFill>
-                  <a:srgbClr val="404040">
-                    <a:alpha val="100000"/>
-                  </a:srgbClr>
-                </a:solidFill>
-                <a:latin typeface="Microsoft YaHei"/>
-                <a:ea typeface="Microsoft YaHei"/>
-              </a:rPr>
-              <a:t>-</a:t>
-            </a:r>
-            <a:r>
-              <a:rPr lang="en-US" altLang="Microsoft YaHei" sz="3600" b="1" kern="0" spc="-30" dirty="0">
-                <a:solidFill>
-                  <a:srgbClr val="404040">
-                    <a:alpha val="100000"/>
-                  </a:srgbClr>
-                </a:solidFill>
-                <a:latin typeface="Microsoft YaHei"/>
-                <a:ea typeface="Microsoft YaHei"/>
-              </a:rPr>
-              <a:t>“</a:t>
-            </a:r>
-            <a:r>
-              <a:rPr lang="zh-CN" altLang="en-US" sz="3600" b="1" kern="0" spc="-30" dirty="0">
-                <a:solidFill>
-                  <a:srgbClr val="404040">
-                    <a:alpha val="100000"/>
-                  </a:srgbClr>
-                </a:solidFill>
-                <a:latin typeface="Microsoft YaHei"/>
-                <a:ea typeface="Microsoft YaHei"/>
-              </a:rPr>
-              <a:t>劳模”渲染主线程</a:t>
+                <a:cs typeface="Microsoft YaHei"/>
+              </a:rPr>
+              <a:t>使用细节</a:t>
             </a:r>
             <a:endParaRPr lang="Microsoft YaHei" altLang="Microsoft YaHei" sz="3600" dirty="0"/>
           </a:p>
@@ -7492,7 +9277,7 @@
     </p:spTree>
     <p:extLst>
       <p:ext uri="{BB962C8B-B14F-4D97-AF65-F5344CB8AC3E}">
-        <p14:creationId xmlns:p14="http://schemas.microsoft.com/office/powerpoint/2010/main" val="59891158"/>
+        <p14:creationId xmlns:p14="http://schemas.microsoft.com/office/powerpoint/2010/main" val="1733645514"/>
       </p:ext>
     </p:extLst>
   </p:cSld>
@@ -7519,221 +9304,6 @@
           <a:chExt cx="0" cy="0"/>
         </a:xfrm>
       </p:grpSpPr>
-      <p:sp>
-        <p:nvSpPr>
-          <p:cNvPr id="62" name="textbox 62"/>
-          <p:cNvSpPr/>
-          <p:nvPr/>
-        </p:nvSpPr>
-        <p:spPr>
-          <a:xfrm>
-            <a:off x="287790" y="1141685"/>
-            <a:ext cx="11491834" cy="1401470"/>
-          </a:xfrm>
-          <a:prstGeom prst="rect">
-            <a:avLst/>
-          </a:prstGeom>
-        </p:spPr>
-        <p:txBody>
-          <a:bodyPr vert="horz" wrap="square" lIns="0" tIns="0" rIns="0" bIns="0"/>
-          <a:lstStyle/>
-          <a:p>
-            <a:pPr algn="l" rtl="0" eaLnBrk="0">
-              <a:lnSpc>
-                <a:spcPct val="83341"/>
-              </a:lnSpc>
-              <a:tabLst/>
-            </a:pPr>
-            <a:endParaRPr lang="Arial" altLang="Arial" sz="100" dirty="0"/>
-          </a:p>
-          <a:p>
-            <a:pPr marL="12700" algn="l" rtl="0" eaLnBrk="0">
-              <a:lnSpc>
-                <a:spcPts val="1853"/>
-              </a:lnSpc>
-              <a:tabLst>
-                <a:tab pos="146685" algn="l"/>
-              </a:tabLst>
-            </a:pPr>
-            <a:r>
-              <a:rPr sz="1500" kern="0" spc="0" dirty="0">
-                <a:solidFill>
-                  <a:srgbClr val="404040">
-                    <a:alpha val="100000"/>
-                  </a:srgbClr>
-                </a:solidFill>
-                <a:latin typeface="Microsoft YaHei"/>
-                <a:ea typeface="Microsoft YaHei"/>
-                <a:cs typeface="Microsoft YaHei"/>
-              </a:rPr>
-              <a:t>	</a:t>
-            </a:r>
-            <a:r>
-              <a:rPr sz="1500" b="1" kern="0" spc="220" dirty="0">
-                <a:solidFill>
-                  <a:srgbClr val="404040">
-                    <a:alpha val="100000"/>
-                  </a:srgbClr>
-                </a:solidFill>
-                <a:latin typeface="Microsoft YaHei"/>
-                <a:ea typeface="Microsoft YaHei"/>
-                <a:cs typeface="Microsoft YaHei"/>
-              </a:rPr>
-              <a:t> </a:t>
-            </a:r>
-            <a:r>
-              <a:rPr lang="zh-CN" altLang="en-US" sz="1500" b="1" kern="0" spc="-80" dirty="0">
-                <a:solidFill>
-                  <a:srgbClr val="404040">
-                    <a:alpha val="100000"/>
-                  </a:srgbClr>
-                </a:solidFill>
-                <a:latin typeface="Microsoft YaHei"/>
-                <a:ea typeface="Microsoft YaHei"/>
-                <a:cs typeface="Microsoft YaHei"/>
-              </a:rPr>
-              <a:t>什么是</a:t>
-            </a:r>
-            <a:r>
-              <a:rPr lang="zh-CN" altLang="en-US" sz="1600" b="1" kern="0" spc="-30" dirty="0">
-                <a:solidFill>
-                  <a:srgbClr val="404040">
-                    <a:alpha val="100000"/>
-                  </a:srgbClr>
-                </a:solidFill>
-                <a:latin typeface="Microsoft YaHei"/>
-                <a:ea typeface="Microsoft YaHei"/>
-                <a:cs typeface="Microsoft YaHei"/>
-              </a:rPr>
-              <a:t>进程？线程？</a:t>
-            </a:r>
-            <a:endParaRPr lang="en-US" sz="1500" b="1" kern="0" spc="-80" dirty="0">
-              <a:solidFill>
-                <a:srgbClr val="404040">
-                  <a:alpha val="100000"/>
-                </a:srgbClr>
-              </a:solidFill>
-              <a:latin typeface="Microsoft YaHei"/>
-              <a:ea typeface="Microsoft YaHei"/>
-              <a:cs typeface="Microsoft YaHei"/>
-            </a:endParaRPr>
-          </a:p>
-          <a:p>
-            <a:pPr marL="12700" algn="l" rtl="0" eaLnBrk="0">
-              <a:lnSpc>
-                <a:spcPct val="150000"/>
-              </a:lnSpc>
-              <a:tabLst>
-                <a:tab pos="146685" algn="l"/>
-              </a:tabLst>
-            </a:pPr>
-            <a:r>
-              <a:rPr lang="zh-CN" altLang="en-US" sz="1500" dirty="0"/>
-              <a:t>  </a:t>
-            </a:r>
-            <a:r>
-              <a:rPr lang="zh-CN" altLang="en-US" sz="1500" kern="0" spc="50" dirty="0">
-                <a:solidFill>
-                  <a:srgbClr val="404040">
-                    <a:alpha val="100000"/>
-                  </a:srgbClr>
-                </a:solidFill>
-                <a:latin typeface="Wingdings"/>
-                <a:ea typeface="Wingdings"/>
-                <a:cs typeface="Wingdings"/>
-              </a:rPr>
-              <a:t> </a:t>
-            </a:r>
-            <a:endParaRPr lang="Microsoft YaHei" altLang="Microsoft YaHei" sz="1500" dirty="0"/>
-          </a:p>
-        </p:txBody>
-      </p:sp>
-      <p:pic>
-        <p:nvPicPr>
-          <p:cNvPr id="64" name="picture 64"/>
-          <p:cNvPicPr>
-            <a:picLocks noChangeAspect="1"/>
-          </p:cNvPicPr>
-          <p:nvPr/>
-        </p:nvPicPr>
-        <p:blipFill>
-          <a:blip r:embed="rId2"/>
-          <a:stretch>
-            <a:fillRect/>
-          </a:stretch>
-        </p:blipFill>
-        <p:spPr>
-          <a:xfrm rot="21600000">
-            <a:off x="287790" y="1221720"/>
-            <a:ext cx="134384" cy="119183"/>
-          </a:xfrm>
-          <a:prstGeom prst="rect">
-            <a:avLst/>
-          </a:prstGeom>
-        </p:spPr>
-      </p:pic>
-      <p:sp>
-        <p:nvSpPr>
-          <p:cNvPr id="66" name="textbox 66"/>
-          <p:cNvSpPr/>
-          <p:nvPr/>
-        </p:nvSpPr>
-        <p:spPr>
-          <a:xfrm>
-            <a:off x="1353236" y="376916"/>
-            <a:ext cx="4970145" cy="558165"/>
-          </a:xfrm>
-          <a:prstGeom prst="rect">
-            <a:avLst/>
-          </a:prstGeom>
-        </p:spPr>
-        <p:txBody>
-          <a:bodyPr vert="horz" wrap="square" lIns="0" tIns="0" rIns="0" bIns="0"/>
-          <a:lstStyle/>
-          <a:p>
-            <a:pPr algn="l" rtl="0" eaLnBrk="0">
-              <a:lnSpc>
-                <a:spcPct val="85395"/>
-              </a:lnSpc>
-              <a:tabLst/>
-            </a:pPr>
-            <a:endParaRPr lang="Arial" altLang="Arial" sz="100" dirty="0"/>
-          </a:p>
-          <a:p>
-            <a:pPr marL="12700" algn="l" rtl="0" eaLnBrk="0">
-              <a:lnSpc>
-                <a:spcPct val="97000"/>
-              </a:lnSpc>
-              <a:tabLst/>
-            </a:pPr>
-            <a:r>
-              <a:rPr lang="en-US" altLang="Microsoft YaHei" sz="3600" b="1" kern="0" spc="-30" dirty="0">
-                <a:solidFill>
-                  <a:srgbClr val="404040">
-                    <a:alpha val="100000"/>
-                  </a:srgbClr>
-                </a:solidFill>
-                <a:latin typeface="Microsoft YaHei"/>
-                <a:ea typeface="Microsoft YaHei"/>
-              </a:rPr>
-              <a:t>“</a:t>
-            </a:r>
-            <a:r>
-              <a:rPr lang="zh-CN" altLang="en-US" sz="3600" b="1" kern="0" spc="-30" dirty="0">
-                <a:solidFill>
-                  <a:srgbClr val="404040">
-                    <a:alpha val="100000"/>
-                  </a:srgbClr>
-                </a:solidFill>
-                <a:latin typeface="Microsoft YaHei"/>
-                <a:ea typeface="Microsoft YaHei"/>
-              </a:rPr>
-              <a:t>劳模”渲染主线程</a:t>
-            </a:r>
-            <a:endParaRPr lang="Microsoft YaHei" altLang="Microsoft YaHei" sz="3600" dirty="0"/>
-          </a:p>
-        </p:txBody>
-      </p:sp>
       <p:grpSp>
         <p:nvGrpSpPr>
           <p:cNvPr id="6" name="group 6"/>
@@ -7757,7 +9327,7 @@
             <p:nvPr/>
           </p:nvPicPr>
           <p:blipFill>
-            <a:blip r:embed="rId3"/>
+            <a:blip r:embed="rId2"/>
             <a:stretch>
               <a:fillRect/>
             </a:stretch>
@@ -7885,7 +9455,7 @@
           <p:nvPr/>
         </p:nvPicPr>
         <p:blipFill>
-          <a:blip r:embed="rId4"/>
+          <a:blip r:embed="rId3"/>
           <a:stretch>
             <a:fillRect/>
           </a:stretch>
@@ -7935,7 +9505,7 @@
             <p:nvPr/>
           </p:nvPicPr>
           <p:blipFill>
-            <a:blip r:embed="rId3"/>
+            <a:blip r:embed="rId2"/>
             <a:stretch>
               <a:fillRect/>
             </a:stretch>
@@ -8032,10 +9602,80 @@
           </p:txBody>
         </p:sp>
       </p:grpSp>
+      <p:sp>
+        <p:nvSpPr>
+          <p:cNvPr id="3" name="textbox 66">
+            <a:extLst>
+              <a:ext uri="{FF2B5EF4-FFF2-40B4-BE49-F238E27FC236}">
+                <a16:creationId xmlns:a16="http://schemas.microsoft.com/office/drawing/2014/main" id="{6E749020-C2A7-146E-6672-E0232ABE12CA}"/>
+              </a:ext>
+            </a:extLst>
+          </p:cNvPr>
+          <p:cNvSpPr/>
+          <p:nvPr/>
+        </p:nvSpPr>
+        <p:spPr>
+          <a:xfrm>
+            <a:off x="1082852" y="322611"/>
+            <a:ext cx="7020297" cy="558165"/>
+          </a:xfrm>
+          <a:prstGeom prst="rect">
+            <a:avLst/>
+          </a:prstGeom>
+        </p:spPr>
+        <p:txBody>
+          <a:bodyPr vert="horz" wrap="square" lIns="0" tIns="0" rIns="0" bIns="0"/>
+          <a:lstStyle/>
+          <a:p>
+            <a:pPr algn="l" rtl="0" eaLnBrk="0">
+              <a:lnSpc>
+                <a:spcPct val="85395"/>
+              </a:lnSpc>
+              <a:tabLst/>
+            </a:pPr>
+            <a:endParaRPr lang="Arial" altLang="Arial" sz="100" dirty="0"/>
+          </a:p>
+          <a:p>
+            <a:pPr marL="12700" algn="l" rtl="0" eaLnBrk="0">
+              <a:lnSpc>
+                <a:spcPct val="97000"/>
+              </a:lnSpc>
+              <a:tabLst/>
+            </a:pPr>
+            <a:r>
+              <a:rPr lang="en-US" altLang="zh-CN" sz="3600" b="1" kern="0" spc="-30" dirty="0" err="1">
+                <a:solidFill>
+                  <a:srgbClr val="404040">
+                    <a:alpha val="100000"/>
+                  </a:srgbClr>
+                </a:solidFill>
+                <a:latin typeface="Microsoft YaHei"/>
+                <a:ea typeface="Microsoft YaHei"/>
+                <a:cs typeface="Microsoft YaHei"/>
+              </a:rPr>
+              <a:t>Animation&amp;Transition</a:t>
+            </a:r>
+            <a:r>
+              <a:rPr lang="zh-CN" altLang="en-US" sz="3600" b="1" kern="0" spc="-30" dirty="0">
+                <a:solidFill>
+                  <a:srgbClr val="404040">
+                    <a:alpha val="100000"/>
+                  </a:srgbClr>
+                </a:solidFill>
+                <a:latin typeface="Microsoft YaHei"/>
+                <a:ea typeface="Microsoft YaHei"/>
+                <a:cs typeface="Microsoft YaHei"/>
+              </a:rPr>
+              <a:t>使用细节</a:t>
+            </a:r>
+            <a:endParaRPr lang="Microsoft YaHei" altLang="Microsoft YaHei" sz="3600" dirty="0"/>
+          </a:p>
+        </p:txBody>
+      </p:sp>
     </p:spTree>
     <p:extLst>
       <p:ext uri="{BB962C8B-B14F-4D97-AF65-F5344CB8AC3E}">
-        <p14:creationId xmlns:p14="http://schemas.microsoft.com/office/powerpoint/2010/main" val="285481645"/>
+        <p14:creationId xmlns:p14="http://schemas.microsoft.com/office/powerpoint/2010/main" val="358702135"/>
       </p:ext>
     </p:extLst>
   </p:cSld>
